--- a/Presentations/ProjectPresentation_04-01-CB.pptx
+++ b/Presentations/ProjectPresentation_04-01-CB.pptx
@@ -3491,18 +3491,13 @@
           </a:p>
           <a:p>
             <a:r>
-              <a:rPr lang="en-US">
+              <a:rPr lang="en-US" dirty="0">
                 <a:solidFill>
                   <a:schemeClr val="accent3"/>
                 </a:solidFill>
               </a:rPr>
               <a:t>04/01/2021</a:t>
             </a:r>
-            <a:endParaRPr lang="en-US" dirty="0">
-              <a:solidFill>
-                <a:schemeClr val="accent3"/>
-              </a:solidFill>
-            </a:endParaRPr>
           </a:p>
         </p:txBody>
       </p:sp>
@@ -3605,14 +3600,14 @@
           <a:p>
             <a:r>
               <a:rPr lang="en-US" dirty="0"/>
-              <a:t>Obtained throughput: x samples/s</a:t>
+              <a:t>Obtained throughput:  816.59 samples/s</a:t>
             </a:r>
           </a:p>
           <a:p>
             <a:pPr lvl="1"/>
             <a:r>
               <a:rPr lang="en-US" dirty="0"/>
-              <a:t>Not great</a:t>
+              <a:t>Not great compared to MacBook (44903.46 samples/s)</a:t>
             </a:r>
           </a:p>
           <a:p>

--- a/Presentations/ProjectPresentation_04-01-CB.pptx
+++ b/Presentations/ProjectPresentation_04-01-CB.pptx
@@ -282,7 +282,7 @@
           <a:p>
             <a:fld id="{CD63FF02-0E8F-C94D-9333-E7E525B6484A}" type="datetimeFigureOut">
               <a:rPr lang="en-US" smtClean="0"/>
-              <a:t>3/31/21</a:t>
+              <a:t>4/1/21</a:t>
             </a:fld>
             <a:endParaRPr lang="en-US"/>
           </a:p>
@@ -480,7 +480,7 @@
           <a:p>
             <a:fld id="{CD63FF02-0E8F-C94D-9333-E7E525B6484A}" type="datetimeFigureOut">
               <a:rPr lang="en-US" smtClean="0"/>
-              <a:t>3/31/21</a:t>
+              <a:t>4/1/21</a:t>
             </a:fld>
             <a:endParaRPr lang="en-US"/>
           </a:p>
@@ -688,7 +688,7 @@
           <a:p>
             <a:fld id="{CD63FF02-0E8F-C94D-9333-E7E525B6484A}" type="datetimeFigureOut">
               <a:rPr lang="en-US" smtClean="0"/>
-              <a:t>3/31/21</a:t>
+              <a:t>4/1/21</a:t>
             </a:fld>
             <a:endParaRPr lang="en-US"/>
           </a:p>
@@ -891,7 +891,7 @@
           <a:p>
             <a:fld id="{CD63FF02-0E8F-C94D-9333-E7E525B6484A}" type="datetimeFigureOut">
               <a:rPr lang="en-US" smtClean="0"/>
-              <a:t>3/31/21</a:t>
+              <a:t>4/1/21</a:t>
             </a:fld>
             <a:endParaRPr lang="en-US"/>
           </a:p>
@@ -1166,7 +1166,7 @@
           <a:p>
             <a:fld id="{CD63FF02-0E8F-C94D-9333-E7E525B6484A}" type="datetimeFigureOut">
               <a:rPr lang="en-US" smtClean="0"/>
-              <a:t>3/31/21</a:t>
+              <a:t>4/1/21</a:t>
             </a:fld>
             <a:endParaRPr lang="en-US"/>
           </a:p>
@@ -1431,7 +1431,7 @@
           <a:p>
             <a:fld id="{CD63FF02-0E8F-C94D-9333-E7E525B6484A}" type="datetimeFigureOut">
               <a:rPr lang="en-US" smtClean="0"/>
-              <a:t>3/31/21</a:t>
+              <a:t>4/1/21</a:t>
             </a:fld>
             <a:endParaRPr lang="en-US"/>
           </a:p>
@@ -1843,7 +1843,7 @@
           <a:p>
             <a:fld id="{CD63FF02-0E8F-C94D-9333-E7E525B6484A}" type="datetimeFigureOut">
               <a:rPr lang="en-US" smtClean="0"/>
-              <a:t>3/31/21</a:t>
+              <a:t>4/1/21</a:t>
             </a:fld>
             <a:endParaRPr lang="en-US"/>
           </a:p>
@@ -1984,7 +1984,7 @@
           <a:p>
             <a:fld id="{CD63FF02-0E8F-C94D-9333-E7E525B6484A}" type="datetimeFigureOut">
               <a:rPr lang="en-US" smtClean="0"/>
-              <a:t>3/31/21</a:t>
+              <a:t>4/1/21</a:t>
             </a:fld>
             <a:endParaRPr lang="en-US"/>
           </a:p>
@@ -2097,7 +2097,7 @@
           <a:p>
             <a:fld id="{CD63FF02-0E8F-C94D-9333-E7E525B6484A}" type="datetimeFigureOut">
               <a:rPr lang="en-US" smtClean="0"/>
-              <a:t>3/31/21</a:t>
+              <a:t>4/1/21</a:t>
             </a:fld>
             <a:endParaRPr lang="en-US"/>
           </a:p>
@@ -2408,7 +2408,7 @@
           <a:p>
             <a:fld id="{CD63FF02-0E8F-C94D-9333-E7E525B6484A}" type="datetimeFigureOut">
               <a:rPr lang="en-US" smtClean="0"/>
-              <a:t>3/31/21</a:t>
+              <a:t>4/1/21</a:t>
             </a:fld>
             <a:endParaRPr lang="en-US"/>
           </a:p>
@@ -2696,7 +2696,7 @@
           <a:p>
             <a:fld id="{CD63FF02-0E8F-C94D-9333-E7E525B6484A}" type="datetimeFigureOut">
               <a:rPr lang="en-US" smtClean="0"/>
-              <a:t>3/31/21</a:t>
+              <a:t>4/1/21</a:t>
             </a:fld>
             <a:endParaRPr lang="en-US"/>
           </a:p>
@@ -2946,7 +2946,7 @@
           <a:p>
             <a:fld id="{CD63FF02-0E8F-C94D-9333-E7E525B6484A}" type="datetimeFigureOut">
               <a:rPr lang="en-US" smtClean="0"/>
-              <a:t>3/31/21</a:t>
+              <a:t>4/1/21</a:t>
             </a:fld>
             <a:endParaRPr lang="en-US"/>
           </a:p>
@@ -3700,9 +3700,16 @@
             <p:ph idx="1"/>
           </p:nvPr>
         </p:nvSpPr>
-        <p:spPr/>
-        <p:txBody>
-          <a:bodyPr/>
+        <p:spPr>
+          <a:xfrm>
+            <a:off x="2904565" y="1825625"/>
+            <a:ext cx="8449235" cy="2017170"/>
+          </a:xfrm>
+        </p:spPr>
+        <p:txBody>
+          <a:bodyPr>
+            <a:normAutofit fontScale="92500" lnSpcReduction="10000"/>
+          </a:bodyPr>
           <a:lstStyle/>
           <a:p>
             <a:r>
@@ -3730,6 +3737,20 @@
               <a:rPr lang="en-US" dirty="0"/>
               <a:t>Currently working on freezing the model</a:t>
             </a:r>
+          </a:p>
+          <a:p>
+            <a:pPr lvl="2"/>
+            <a:r>
+              <a:rPr lang="en-US"/>
+              <a:t>Requires TF 1.15.3 (&lt;2.3.1)</a:t>
+            </a:r>
+            <a:endParaRPr lang="en-US" dirty="0"/>
+          </a:p>
+          <a:p>
+            <a:pPr marL="914400" lvl="2" indent="0">
+              <a:buNone/>
+            </a:pPr>
+            <a:endParaRPr lang="en-US" dirty="0"/>
           </a:p>
         </p:txBody>
       </p:sp>
@@ -5715,7 +5736,7 @@
         </p:nvSpPr>
         <p:spPr>
           <a:xfrm>
-            <a:off x="10653169" y="5442817"/>
+            <a:off x="10751017" y="5442817"/>
             <a:ext cx="577402" cy="307777"/>
           </a:xfrm>
           <a:prstGeom prst="rect">
@@ -5754,8 +5775,8 @@
         </p:nvSpPr>
         <p:spPr>
           <a:xfrm>
-            <a:off x="9895023" y="2611658"/>
-            <a:ext cx="1426575" cy="307777"/>
+            <a:off x="10373917" y="2611658"/>
+            <a:ext cx="957788" cy="307777"/>
           </a:xfrm>
           <a:prstGeom prst="rect">
             <a:avLst/>
@@ -5768,13 +5789,14 @@
           </a:bodyPr>
           <a:lstStyle/>
           <a:p>
+            <a:pPr algn="ctr"/>
             <a:r>
               <a:rPr lang="en-US" sz="1400" dirty="0">
                 <a:solidFill>
                   <a:schemeClr val="accent2"/>
                 </a:solidFill>
               </a:rPr>
-              <a:t>MMA/SoC/FPGA</a:t>
+              <a:t>SoC/FPGA</a:t>
             </a:r>
           </a:p>
         </p:txBody>
@@ -8234,10 +8256,10 @@
       </p:sp>
       <p:pic>
         <p:nvPicPr>
-          <p:cNvPr id="5" name="Picture 4" descr="Text&#10;&#10;Description automatically generated">
-            <a:extLst>
-              <a:ext uri="{FF2B5EF4-FFF2-40B4-BE49-F238E27FC236}">
-                <a16:creationId xmlns:a16="http://schemas.microsoft.com/office/drawing/2014/main" id="{0AA67C24-6CD2-E042-9225-5B1A3483884C}"/>
+          <p:cNvPr id="10" name="Picture 9" descr="Text&#10;&#10;Description automatically generated">
+            <a:extLst>
+              <a:ext uri="{FF2B5EF4-FFF2-40B4-BE49-F238E27FC236}">
+                <a16:creationId xmlns:a16="http://schemas.microsoft.com/office/drawing/2014/main" id="{B60A6B78-9F2F-A449-955E-28C98346C8EF}"/>
               </a:ext>
             </a:extLst>
           </p:cNvPr>
@@ -8254,8 +8276,8 @@
         </p:blipFill>
         <p:spPr>
           <a:xfrm>
-            <a:off x="7259603" y="1865376"/>
-            <a:ext cx="4738254" cy="3127248"/>
+            <a:off x="7128164" y="1778794"/>
+            <a:ext cx="4978400" cy="4445000"/>
           </a:xfrm>
           <a:prstGeom prst="rect">
             <a:avLst/>
